--- a/presentations/SDM2_wstep.pptx
+++ b/presentations/SDM2_wstep.pptx
@@ -9,7 +9,6 @@
     <p:sldId id="259" r:id="rId3"/>
     <p:sldId id="265" r:id="rId4"/>
     <p:sldId id="261" r:id="rId5"/>
-    <p:sldId id="258" r:id="rId6"/>
   </p:sldIdLst>
   <p:sldSz cx="9144000" cy="6858000" type="screen4x3"/>
   <p:notesSz cx="6858000" cy="9144000"/>
@@ -247,7 +246,7 @@
           <a:p>
             <a:fld id="{8DEF9E4C-1D9A-41F9-9EBA-CE71FBB0D148}" type="datetimeFigureOut">
               <a:rPr lang="pl-PL" smtClean="0"/>
-              <a:t>05.03.2020</a:t>
+              <a:t>08.03.2020</a:t>
             </a:fld>
             <a:endParaRPr lang="pl-PL"/>
           </a:p>
@@ -417,7 +416,7 @@
           <a:p>
             <a:fld id="{8DEF9E4C-1D9A-41F9-9EBA-CE71FBB0D148}" type="datetimeFigureOut">
               <a:rPr lang="pl-PL" smtClean="0"/>
-              <a:t>05.03.2020</a:t>
+              <a:t>08.03.2020</a:t>
             </a:fld>
             <a:endParaRPr lang="pl-PL"/>
           </a:p>
@@ -597,7 +596,7 @@
           <a:p>
             <a:fld id="{8DEF9E4C-1D9A-41F9-9EBA-CE71FBB0D148}" type="datetimeFigureOut">
               <a:rPr lang="pl-PL" smtClean="0"/>
-              <a:t>05.03.2020</a:t>
+              <a:t>08.03.2020</a:t>
             </a:fld>
             <a:endParaRPr lang="pl-PL"/>
           </a:p>
@@ -767,7 +766,7 @@
           <a:p>
             <a:fld id="{8DEF9E4C-1D9A-41F9-9EBA-CE71FBB0D148}" type="datetimeFigureOut">
               <a:rPr lang="pl-PL" smtClean="0"/>
-              <a:t>05.03.2020</a:t>
+              <a:t>08.03.2020</a:t>
             </a:fld>
             <a:endParaRPr lang="pl-PL"/>
           </a:p>
@@ -1011,7 +1010,7 @@
           <a:p>
             <a:fld id="{8DEF9E4C-1D9A-41F9-9EBA-CE71FBB0D148}" type="datetimeFigureOut">
               <a:rPr lang="pl-PL" smtClean="0"/>
-              <a:t>05.03.2020</a:t>
+              <a:t>08.03.2020</a:t>
             </a:fld>
             <a:endParaRPr lang="pl-PL"/>
           </a:p>
@@ -1243,7 +1242,7 @@
           <a:p>
             <a:fld id="{8DEF9E4C-1D9A-41F9-9EBA-CE71FBB0D148}" type="datetimeFigureOut">
               <a:rPr lang="pl-PL" smtClean="0"/>
-              <a:t>05.03.2020</a:t>
+              <a:t>08.03.2020</a:t>
             </a:fld>
             <a:endParaRPr lang="pl-PL"/>
           </a:p>
@@ -1610,7 +1609,7 @@
           <a:p>
             <a:fld id="{8DEF9E4C-1D9A-41F9-9EBA-CE71FBB0D148}" type="datetimeFigureOut">
               <a:rPr lang="pl-PL" smtClean="0"/>
-              <a:t>05.03.2020</a:t>
+              <a:t>08.03.2020</a:t>
             </a:fld>
             <a:endParaRPr lang="pl-PL"/>
           </a:p>
@@ -1728,7 +1727,7 @@
           <a:p>
             <a:fld id="{8DEF9E4C-1D9A-41F9-9EBA-CE71FBB0D148}" type="datetimeFigureOut">
               <a:rPr lang="pl-PL" smtClean="0"/>
-              <a:t>05.03.2020</a:t>
+              <a:t>08.03.2020</a:t>
             </a:fld>
             <a:endParaRPr lang="pl-PL"/>
           </a:p>
@@ -1823,7 +1822,7 @@
           <a:p>
             <a:fld id="{8DEF9E4C-1D9A-41F9-9EBA-CE71FBB0D148}" type="datetimeFigureOut">
               <a:rPr lang="pl-PL" smtClean="0"/>
-              <a:t>05.03.2020</a:t>
+              <a:t>08.03.2020</a:t>
             </a:fld>
             <a:endParaRPr lang="pl-PL"/>
           </a:p>
@@ -2100,7 +2099,7 @@
           <a:p>
             <a:fld id="{8DEF9E4C-1D9A-41F9-9EBA-CE71FBB0D148}" type="datetimeFigureOut">
               <a:rPr lang="pl-PL" smtClean="0"/>
-              <a:t>05.03.2020</a:t>
+              <a:t>08.03.2020</a:t>
             </a:fld>
             <a:endParaRPr lang="pl-PL"/>
           </a:p>
@@ -2357,7 +2356,7 @@
           <a:p>
             <a:fld id="{8DEF9E4C-1D9A-41F9-9EBA-CE71FBB0D148}" type="datetimeFigureOut">
               <a:rPr lang="pl-PL" smtClean="0"/>
-              <a:t>05.03.2020</a:t>
+              <a:t>08.03.2020</a:t>
             </a:fld>
             <a:endParaRPr lang="pl-PL"/>
           </a:p>
@@ -2570,7 +2569,7 @@
           <a:p>
             <a:fld id="{8DEF9E4C-1D9A-41F9-9EBA-CE71FBB0D148}" type="datetimeFigureOut">
               <a:rPr lang="pl-PL" smtClean="0"/>
-              <a:t>05.03.2020</a:t>
+              <a:t>08.03.2020</a:t>
             </a:fld>
             <a:endParaRPr lang="pl-PL"/>
           </a:p>
@@ -3125,7 +3124,7 @@
           <a:p>
             <a:r>
               <a:rPr lang="pl-PL" dirty="0"/>
-              <a:t>Zaproponowanie innowacyjnego podejścia do procesu modelowania z użyciem logiki rozmytej</a:t>
+              <a:t>Zaproponowanie podejścia do procesu modelowania z użyciem logiki rozmytej</a:t>
             </a:r>
           </a:p>
           <a:p>
@@ -3237,20 +3236,27 @@
             <p:ph idx="1"/>
           </p:nvPr>
         </p:nvSpPr>
-        <p:spPr/>
+        <p:spPr>
+          <a:xfrm>
+            <a:off x="628650" y="1825625"/>
+            <a:ext cx="7886700" cy="1995530"/>
+          </a:xfrm>
+        </p:spPr>
         <p:txBody>
           <a:bodyPr/>
           <a:lstStyle/>
           <a:p>
             <a:r>
               <a:rPr lang="pl-PL" dirty="0"/>
-              <a:t>Symulacja modelu reaktora polimeryzacji</a:t>
-            </a:r>
-          </a:p>
-          <a:p>
+              <a:t>Modelowanie statyki z użyciem logiki rozmytej (wykorzystanej w modelu </a:t>
+            </a:r>
+            <a:r>
+              <a:rPr lang="pl-PL" dirty="0" err="1"/>
+              <a:t>Hammersteina</a:t>
+            </a:r>
             <a:r>
               <a:rPr lang="pl-PL" dirty="0"/>
-              <a:t>Modelowanie statyki z użyciem logiki rozmytej</a:t>
+              <a:t>)</a:t>
             </a:r>
           </a:p>
           <a:p>
@@ -3262,16 +3268,49 @@
               <a:rPr lang="pl-PL" dirty="0" err="1"/>
               <a:t>Hammersteina</a:t>
             </a:r>
-            <a:endParaRPr lang="pl-PL" dirty="0"/>
-          </a:p>
-          <a:p>
             <a:r>
               <a:rPr lang="pl-PL" dirty="0"/>
-              <a:t>Wykorzystanie modelu w algorytmie DMC-SL</a:t>
-            </a:r>
-          </a:p>
-        </p:txBody>
-      </p:sp>
+              <a:t> w algorytmach regulacji: HDMC-SL oraz HDMC-NPL</a:t>
+            </a:r>
+          </a:p>
+        </p:txBody>
+      </p:sp>
+      <p:pic>
+        <p:nvPicPr>
+          <p:cNvPr id="5" name="Obraz 4">
+            <a:extLst>
+              <a:ext uri="{FF2B5EF4-FFF2-40B4-BE49-F238E27FC236}">
+                <a16:creationId xmlns:a16="http://schemas.microsoft.com/office/drawing/2014/main" id="{BC898B25-D207-4B1C-AFE3-4BF0C16B1F5A}"/>
+              </a:ext>
+            </a:extLst>
+          </p:cNvPr>
+          <p:cNvPicPr>
+            <a:picLocks noChangeAspect="1"/>
+          </p:cNvPicPr>
+          <p:nvPr/>
+        </p:nvPicPr>
+        <p:blipFill>
+          <a:blip r:embed="rId2">
+            <a:extLst>
+              <a:ext uri="{28A0092B-C50C-407E-A947-70E740481C1C}">
+                <a14:useLocalDpi xmlns:a14="http://schemas.microsoft.com/office/drawing/2010/main" val="0"/>
+              </a:ext>
+            </a:extLst>
+          </a:blip>
+          <a:stretch>
+            <a:fillRect/>
+          </a:stretch>
+        </p:blipFill>
+        <p:spPr>
+          <a:xfrm>
+            <a:off x="0" y="3569485"/>
+            <a:ext cx="9144000" cy="3036845"/>
+          </a:xfrm>
+          <a:prstGeom prst="rect">
+            <a:avLst/>
+          </a:prstGeom>
+        </p:spPr>
+      </p:pic>
     </p:spTree>
     <p:extLst>
       <p:ext uri="{BB962C8B-B14F-4D97-AF65-F5344CB8AC3E}">
@@ -3353,19 +3392,40 @@
           <a:p>
             <a:r>
               <a:rPr lang="pl-PL" dirty="0"/>
-              <a:t>Dalsze badania w zakresie tworzenia modeli rozmytych</a:t>
+              <a:t>Opracowanie dokładnego modelu rozmytego</a:t>
             </a:r>
           </a:p>
           <a:p>
             <a:r>
               <a:rPr lang="pl-PL" dirty="0"/>
-              <a:t>Zaimplementowanie innych algorytmów regulacji</a:t>
+              <a:t>Wykorzystanie modelu w algorytmach regulacji</a:t>
             </a:r>
           </a:p>
           <a:p>
             <a:r>
               <a:rPr lang="pl-PL" dirty="0"/>
-              <a:t>Weryfikacja podejścia na obiekcie o wielu wejściach i wielu wyjściach</a:t>
+              <a:t>Weryfikacja wyników badań na obiekcie o wielu wejściach i wielu wyjściach:</a:t>
+            </a:r>
+          </a:p>
+          <a:p>
+            <a:pPr lvl="1"/>
+            <a:r>
+              <a:rPr lang="pl-PL" dirty="0"/>
+              <a:t>Efektywne modelowanie obiektu</a:t>
+            </a:r>
+          </a:p>
+          <a:p>
+            <a:pPr lvl="1"/>
+            <a:r>
+              <a:rPr lang="pl-PL" dirty="0"/>
+              <a:t>Wykorzystanie otrzymanego modelu obiektu </a:t>
+            </a:r>
+            <a:br>
+              <a:rPr lang="pl-PL" dirty="0"/>
+            </a:br>
+            <a:r>
+              <a:rPr lang="pl-PL" dirty="0"/>
+              <a:t>w efektywnych algorytmach regulacji</a:t>
             </a:r>
           </a:p>
         </p:txBody>
@@ -3374,89 +3434,6 @@
     <p:extLst>
       <p:ext uri="{BB962C8B-B14F-4D97-AF65-F5344CB8AC3E}">
         <p14:creationId xmlns:p14="http://schemas.microsoft.com/office/powerpoint/2010/main" val="2401576961"/>
-      </p:ext>
-    </p:extLst>
-  </p:cSld>
-  <p:clrMapOvr>
-    <a:masterClrMapping/>
-  </p:clrMapOvr>
-</p:sld>
-</file>
-
-<file path=ppt/slides/slide5.xml><?xml version="1.0" encoding="utf-8"?>
-<p:sld xmlns:a="http://schemas.openxmlformats.org/drawingml/2006/main" xmlns:r="http://schemas.openxmlformats.org/officeDocument/2006/relationships" xmlns:p="http://schemas.openxmlformats.org/presentationml/2006/main">
-  <p:cSld>
-    <p:spTree>
-      <p:nvGrpSpPr>
-        <p:cNvPr id="1" name=""/>
-        <p:cNvGrpSpPr/>
-        <p:nvPr/>
-      </p:nvGrpSpPr>
-      <p:grpSpPr>
-        <a:xfrm>
-          <a:off x="0" y="0"/>
-          <a:ext cx="0" cy="0"/>
-          <a:chOff x="0" y="0"/>
-          <a:chExt cx="0" cy="0"/>
-        </a:xfrm>
-      </p:grpSpPr>
-      <p:sp>
-        <p:nvSpPr>
-          <p:cNvPr id="4" name="Tytuł 3">
-            <a:extLst>
-              <a:ext uri="{FF2B5EF4-FFF2-40B4-BE49-F238E27FC236}">
-                <a16:creationId xmlns:a16="http://schemas.microsoft.com/office/drawing/2014/main" id="{42C3320A-5173-4AFC-A26C-9FB419331CF1}"/>
-              </a:ext>
-            </a:extLst>
-          </p:cNvPr>
-          <p:cNvSpPr>
-            <a:spLocks noGrp="1"/>
-          </p:cNvSpPr>
-          <p:nvPr>
-            <p:ph type="ctrTitle"/>
-          </p:nvPr>
-        </p:nvSpPr>
-        <p:spPr/>
-        <p:txBody>
-          <a:bodyPr/>
-          <a:lstStyle/>
-          <a:p>
-            <a:r>
-              <a:rPr lang="pl-PL" dirty="0"/>
-              <a:t>Dziękuję za uwagę</a:t>
-            </a:r>
-          </a:p>
-        </p:txBody>
-      </p:sp>
-      <p:sp>
-        <p:nvSpPr>
-          <p:cNvPr id="5" name="Podtytuł 4">
-            <a:extLst>
-              <a:ext uri="{FF2B5EF4-FFF2-40B4-BE49-F238E27FC236}">
-                <a16:creationId xmlns:a16="http://schemas.microsoft.com/office/drawing/2014/main" id="{F24BCCE5-3725-4F81-83EF-FF0F0FA28FB4}"/>
-              </a:ext>
-            </a:extLst>
-          </p:cNvPr>
-          <p:cNvSpPr>
-            <a:spLocks noGrp="1"/>
-          </p:cNvSpPr>
-          <p:nvPr>
-            <p:ph type="subTitle" idx="1"/>
-          </p:nvPr>
-        </p:nvSpPr>
-        <p:spPr/>
-        <p:txBody>
-          <a:bodyPr/>
-          <a:lstStyle/>
-          <a:p>
-            <a:endParaRPr lang="pl-PL" dirty="0"/>
-          </a:p>
-        </p:txBody>
-      </p:sp>
-    </p:spTree>
-    <p:extLst>
-      <p:ext uri="{BB962C8B-B14F-4D97-AF65-F5344CB8AC3E}">
-        <p14:creationId xmlns:p14="http://schemas.microsoft.com/office/powerpoint/2010/main" val="3649840348"/>
       </p:ext>
     </p:extLst>
   </p:cSld>
